--- a/test03/lib/面向对象程序设计.pptx
+++ b/test03/lib/面向对象程序设计.pptx
@@ -5,23 +5,22 @@
     <p:sldMasterId id="2147483648" r:id="rId1"/>
   </p:sldMasterIdLst>
   <p:notesMasterIdLst>
-    <p:notesMasterId r:id="rId16"/>
+    <p:notesMasterId r:id="rId15"/>
   </p:notesMasterIdLst>
   <p:sldIdLst>
     <p:sldId id="256" r:id="rId2"/>
     <p:sldId id="257" r:id="rId3"/>
-    <p:sldId id="264" r:id="rId4"/>
-    <p:sldId id="258" r:id="rId5"/>
-    <p:sldId id="260" r:id="rId6"/>
-    <p:sldId id="261" r:id="rId7"/>
-    <p:sldId id="262" r:id="rId8"/>
-    <p:sldId id="263" r:id="rId9"/>
-    <p:sldId id="265" r:id="rId10"/>
-    <p:sldId id="259" r:id="rId11"/>
-    <p:sldId id="266" r:id="rId12"/>
-    <p:sldId id="267" r:id="rId13"/>
-    <p:sldId id="268" r:id="rId14"/>
-    <p:sldId id="269" r:id="rId15"/>
+    <p:sldId id="258" r:id="rId4"/>
+    <p:sldId id="261" r:id="rId5"/>
+    <p:sldId id="262" r:id="rId6"/>
+    <p:sldId id="263" r:id="rId7"/>
+    <p:sldId id="264" r:id="rId8"/>
+    <p:sldId id="265" r:id="rId9"/>
+    <p:sldId id="266" r:id="rId10"/>
+    <p:sldId id="267" r:id="rId11"/>
+    <p:sldId id="271" r:id="rId12"/>
+    <p:sldId id="269" r:id="rId13"/>
+    <p:sldId id="270" r:id="rId14"/>
   </p:sldIdLst>
   <p:sldSz cx="12192000" cy="6858000"/>
   <p:notesSz cx="6858000" cy="9144000"/>
@@ -120,6 +119,11 @@
       </a:defRPr>
     </a:lvl9pPr>
   </p:defaultTextStyle>
+  <p:extLst>
+    <p:ext uri="{EFAFB233-063F-42B5-8137-9DF3F51BA10A}">
+      <p15:sldGuideLst xmlns:p15="http://schemas.microsoft.com/office/powerpoint/2012/main"/>
+    </p:ext>
+  </p:extLst>
 </p:presentation>
 </file>
 
@@ -205,7 +209,7 @@
           <a:p>
             <a:fld id="{5CEE763A-97CE-47AA-AB8C-5B273DA5D950}" type="datetimeFigureOut">
               <a:rPr lang="zh-CN" altLang="en-US" smtClean="0"/>
-              <a:t>2025/5/3</a:t>
+              <a:t>2025/5/20</a:t>
             </a:fld>
             <a:endParaRPr lang="zh-CN" altLang="en-US"/>
           </a:p>
@@ -472,90 +476,6 @@
 </p:notesMaster>
 </file>
 
-<file path=ppt/notesSlides/notesSlide1.xml><?xml version="1.0" encoding="utf-8"?>
-<p:notes xmlns:a="http://schemas.openxmlformats.org/drawingml/2006/main" xmlns:r="http://schemas.openxmlformats.org/officeDocument/2006/relationships" xmlns:p="http://schemas.openxmlformats.org/presentationml/2006/main">
-  <p:cSld>
-    <p:spTree>
-      <p:nvGrpSpPr>
-        <p:cNvPr id="1" name=""/>
-        <p:cNvGrpSpPr/>
-        <p:nvPr/>
-      </p:nvGrpSpPr>
-      <p:grpSpPr>
-        <a:xfrm>
-          <a:off x="0" y="0"/>
-          <a:ext cx="0" cy="0"/>
-          <a:chOff x="0" y="0"/>
-          <a:chExt cx="0" cy="0"/>
-        </a:xfrm>
-      </p:grpSpPr>
-      <p:sp>
-        <p:nvSpPr>
-          <p:cNvPr id="2" name="幻灯片图像占位符 1"/>
-          <p:cNvSpPr>
-            <a:spLocks noGrp="1" noRot="1" noChangeAspect="1"/>
-          </p:cNvSpPr>
-          <p:nvPr>
-            <p:ph type="sldImg"/>
-          </p:nvPr>
-        </p:nvSpPr>
-        <p:spPr/>
-      </p:sp>
-      <p:sp>
-        <p:nvSpPr>
-          <p:cNvPr id="3" name="备注占位符 2"/>
-          <p:cNvSpPr>
-            <a:spLocks noGrp="1"/>
-          </p:cNvSpPr>
-          <p:nvPr>
-            <p:ph type="body" idx="1"/>
-          </p:nvPr>
-        </p:nvSpPr>
-        <p:spPr/>
-        <p:txBody>
-          <a:bodyPr/>
-          <a:lstStyle/>
-          <a:p>
-            <a:endParaRPr lang="zh-CN" altLang="en-US" dirty="0"/>
-          </a:p>
-        </p:txBody>
-      </p:sp>
-      <p:sp>
-        <p:nvSpPr>
-          <p:cNvPr id="4" name="灯片编号占位符 3"/>
-          <p:cNvSpPr>
-            <a:spLocks noGrp="1"/>
-          </p:cNvSpPr>
-          <p:nvPr>
-            <p:ph type="sldNum" sz="quarter" idx="5"/>
-          </p:nvPr>
-        </p:nvSpPr>
-        <p:spPr/>
-        <p:txBody>
-          <a:bodyPr/>
-          <a:lstStyle/>
-          <a:p>
-            <a:fld id="{1A60D3C6-84F0-41E5-92A5-E2F21F635019}" type="slidenum">
-              <a:rPr lang="zh-CN" altLang="en-US" smtClean="0"/>
-              <a:t>9</a:t>
-            </a:fld>
-            <a:endParaRPr lang="zh-CN" altLang="en-US"/>
-          </a:p>
-        </p:txBody>
-      </p:sp>
-    </p:spTree>
-    <p:extLst>
-      <p:ext uri="{BB962C8B-B14F-4D97-AF65-F5344CB8AC3E}">
-        <p14:creationId xmlns:p14="http://schemas.microsoft.com/office/powerpoint/2010/main" val="1976156497"/>
-      </p:ext>
-    </p:extLst>
-  </p:cSld>
-  <p:clrMapOvr>
-    <a:masterClrMapping/>
-  </p:clrMapOvr>
-</p:notes>
-</file>
-
 <file path=ppt/slideLayouts/slideLayout1.xml><?xml version="1.0" encoding="utf-8"?>
 <p:sldLayout xmlns:a="http://schemas.openxmlformats.org/drawingml/2006/main" xmlns:r="http://schemas.openxmlformats.org/officeDocument/2006/relationships" xmlns:p="http://schemas.openxmlformats.org/presentationml/2006/main" type="title" preserve="1">
   <p:cSld name="标题幻灯片">
@@ -703,7 +623,7 @@
           <a:p>
             <a:fld id="{1EF3734F-82F8-4D47-959C-C1232036F4E1}" type="datetimeFigureOut">
               <a:rPr lang="zh-CN" altLang="en-US" smtClean="0"/>
-              <a:t>2025/5/3</a:t>
+              <a:t>2025/5/20</a:t>
             </a:fld>
             <a:endParaRPr lang="zh-CN" altLang="en-US"/>
           </a:p>
@@ -901,7 +821,7 @@
           <a:p>
             <a:fld id="{1EF3734F-82F8-4D47-959C-C1232036F4E1}" type="datetimeFigureOut">
               <a:rPr lang="zh-CN" altLang="en-US" smtClean="0"/>
-              <a:t>2025/5/3</a:t>
+              <a:t>2025/5/20</a:t>
             </a:fld>
             <a:endParaRPr lang="zh-CN" altLang="en-US"/>
           </a:p>
@@ -1109,7 +1029,7 @@
           <a:p>
             <a:fld id="{1EF3734F-82F8-4D47-959C-C1232036F4E1}" type="datetimeFigureOut">
               <a:rPr lang="zh-CN" altLang="en-US" smtClean="0"/>
-              <a:t>2025/5/3</a:t>
+              <a:t>2025/5/20</a:t>
             </a:fld>
             <a:endParaRPr lang="zh-CN" altLang="en-US"/>
           </a:p>
@@ -1307,7 +1227,7 @@
           <a:p>
             <a:fld id="{1EF3734F-82F8-4D47-959C-C1232036F4E1}" type="datetimeFigureOut">
               <a:rPr lang="zh-CN" altLang="en-US" smtClean="0"/>
-              <a:t>2025/5/3</a:t>
+              <a:t>2025/5/20</a:t>
             </a:fld>
             <a:endParaRPr lang="zh-CN" altLang="en-US"/>
           </a:p>
@@ -1582,7 +1502,7 @@
           <a:p>
             <a:fld id="{1EF3734F-82F8-4D47-959C-C1232036F4E1}" type="datetimeFigureOut">
               <a:rPr lang="zh-CN" altLang="en-US" smtClean="0"/>
-              <a:t>2025/5/3</a:t>
+              <a:t>2025/5/20</a:t>
             </a:fld>
             <a:endParaRPr lang="zh-CN" altLang="en-US"/>
           </a:p>
@@ -1847,7 +1767,7 @@
           <a:p>
             <a:fld id="{1EF3734F-82F8-4D47-959C-C1232036F4E1}" type="datetimeFigureOut">
               <a:rPr lang="zh-CN" altLang="en-US" smtClean="0"/>
-              <a:t>2025/5/3</a:t>
+              <a:t>2025/5/20</a:t>
             </a:fld>
             <a:endParaRPr lang="zh-CN" altLang="en-US"/>
           </a:p>
@@ -2259,7 +2179,7 @@
           <a:p>
             <a:fld id="{1EF3734F-82F8-4D47-959C-C1232036F4E1}" type="datetimeFigureOut">
               <a:rPr lang="zh-CN" altLang="en-US" smtClean="0"/>
-              <a:t>2025/5/3</a:t>
+              <a:t>2025/5/20</a:t>
             </a:fld>
             <a:endParaRPr lang="zh-CN" altLang="en-US"/>
           </a:p>
@@ -2400,7 +2320,7 @@
           <a:p>
             <a:fld id="{1EF3734F-82F8-4D47-959C-C1232036F4E1}" type="datetimeFigureOut">
               <a:rPr lang="zh-CN" altLang="en-US" smtClean="0"/>
-              <a:t>2025/5/3</a:t>
+              <a:t>2025/5/20</a:t>
             </a:fld>
             <a:endParaRPr lang="zh-CN" altLang="en-US"/>
           </a:p>
@@ -2513,7 +2433,7 @@
           <a:p>
             <a:fld id="{1EF3734F-82F8-4D47-959C-C1232036F4E1}" type="datetimeFigureOut">
               <a:rPr lang="zh-CN" altLang="en-US" smtClean="0"/>
-              <a:t>2025/5/3</a:t>
+              <a:t>2025/5/20</a:t>
             </a:fld>
             <a:endParaRPr lang="zh-CN" altLang="en-US"/>
           </a:p>
@@ -2824,7 +2744,7 @@
           <a:p>
             <a:fld id="{1EF3734F-82F8-4D47-959C-C1232036F4E1}" type="datetimeFigureOut">
               <a:rPr lang="zh-CN" altLang="en-US" smtClean="0"/>
-              <a:t>2025/5/3</a:t>
+              <a:t>2025/5/20</a:t>
             </a:fld>
             <a:endParaRPr lang="zh-CN" altLang="en-US"/>
           </a:p>
@@ -3112,7 +3032,7 @@
           <a:p>
             <a:fld id="{1EF3734F-82F8-4D47-959C-C1232036F4E1}" type="datetimeFigureOut">
               <a:rPr lang="zh-CN" altLang="en-US" smtClean="0"/>
-              <a:t>2025/5/3</a:t>
+              <a:t>2025/5/20</a:t>
             </a:fld>
             <a:endParaRPr lang="zh-CN" altLang="en-US"/>
           </a:p>
@@ -3353,7 +3273,7 @@
           <a:p>
             <a:fld id="{1EF3734F-82F8-4D47-959C-C1232036F4E1}" type="datetimeFigureOut">
               <a:rPr lang="zh-CN" altLang="en-US" smtClean="0"/>
-              <a:t>2025/5/3</a:t>
+              <a:t>2025/5/20</a:t>
             </a:fld>
             <a:endParaRPr lang="zh-CN" altLang="en-US"/>
           </a:p>
@@ -3788,28 +3708,33 @@
         </p:nvSpPr>
         <p:spPr/>
         <p:txBody>
-          <a:bodyPr/>
+          <a:bodyPr>
+            <a:normAutofit/>
+          </a:bodyPr>
           <a:lstStyle/>
           <a:p>
             <a:r>
               <a:rPr lang="zh-CN" altLang="en-US" dirty="0"/>
-              <a:t>面向对象程序设计</a:t>
+              <a:t>面向对象程序设计实验</a:t>
+            </a:r>
+            <a:r>
+              <a:rPr lang="en-US" altLang="zh-CN" dirty="0"/>
+              <a:t>6</a:t>
             </a:r>
             <a:br>
               <a:rPr lang="en-US" altLang="zh-CN" dirty="0"/>
             </a:br>
             <a:r>
-              <a:rPr lang="zh-CN" altLang="en-US" dirty="0"/>
-              <a:t>实验</a:t>
-            </a:r>
-            <a:r>
-              <a:rPr lang="en-US" altLang="zh-CN" dirty="0"/>
-              <a:t>3 </a:t>
-            </a:r>
-            <a:r>
-              <a:rPr lang="zh-CN" altLang="en-US" dirty="0"/>
-              <a:t>交互依赖</a:t>
-            </a:r>
+              <a:rPr lang="zh-CN" altLang="en-US" b="1" i="0" dirty="0">
+                <a:solidFill>
+                  <a:srgbClr val="181E33"/>
+                </a:solidFill>
+                <a:effectLst/>
+                <a:latin typeface="CXChineseQuote"/>
+              </a:rPr>
+              <a:t>组合模式</a:t>
+            </a:r>
+            <a:endParaRPr lang="zh-CN" altLang="en-US" dirty="0"/>
           </a:p>
         </p:txBody>
       </p:sp>
@@ -3879,39 +3804,66 @@
           <a:chExt cx="0" cy="0"/>
         </a:xfrm>
       </p:grpSpPr>
-      <p:pic>
-        <p:nvPicPr>
-          <p:cNvPr id="5" name="内容占位符 4">
-            <a:extLst>
-              <a:ext uri="{FF2B5EF4-FFF2-40B4-BE49-F238E27FC236}">
-                <a16:creationId xmlns:a16="http://schemas.microsoft.com/office/drawing/2014/main" id="{BF96862F-77A4-B4CD-14D2-7086DC733475}"/>
-              </a:ext>
-            </a:extLst>
-          </p:cNvPr>
-          <p:cNvPicPr>
-            <a:picLocks noGrp="1" noChangeAspect="1"/>
-          </p:cNvPicPr>
+      <p:sp>
+        <p:nvSpPr>
+          <p:cNvPr id="2" name="标题 1">
+            <a:extLst>
+              <a:ext uri="{FF2B5EF4-FFF2-40B4-BE49-F238E27FC236}">
+                <a16:creationId xmlns:a16="http://schemas.microsoft.com/office/drawing/2014/main" id="{7C43E0BB-788C-4E45-7B91-89B107AF6EC7}"/>
+              </a:ext>
+            </a:extLst>
+          </p:cNvPr>
+          <p:cNvSpPr>
+            <a:spLocks noGrp="1"/>
+          </p:cNvSpPr>
+          <p:nvPr>
+            <p:ph type="title"/>
+          </p:nvPr>
+        </p:nvSpPr>
+        <p:spPr/>
+        <p:txBody>
+          <a:bodyPr/>
+          <a:lstStyle/>
+          <a:p>
+            <a:endParaRPr lang="zh-CN" altLang="en-US"/>
+          </a:p>
+        </p:txBody>
+      </p:sp>
+      <p:sp>
+        <p:nvSpPr>
+          <p:cNvPr id="3" name="内容占位符 2">
+            <a:extLst>
+              <a:ext uri="{FF2B5EF4-FFF2-40B4-BE49-F238E27FC236}">
+                <a16:creationId xmlns:a16="http://schemas.microsoft.com/office/drawing/2014/main" id="{E6949A78-A4C1-E646-0AFB-EAE0A99EB164}"/>
+              </a:ext>
+            </a:extLst>
+          </p:cNvPr>
+          <p:cNvSpPr>
+            <a:spLocks noGrp="1"/>
+          </p:cNvSpPr>
           <p:nvPr>
             <p:ph idx="1"/>
           </p:nvPr>
-        </p:nvPicPr>
-        <p:blipFill>
-          <a:blip r:embed="rId2"/>
-          <a:stretch>
-            <a:fillRect/>
-          </a:stretch>
-        </p:blipFill>
-        <p:spPr>
-          <a:xfrm>
-            <a:off x="866275" y="11906"/>
-            <a:ext cx="9837018" cy="6193933"/>
-          </a:xfrm>
-        </p:spPr>
-      </p:pic>
+        </p:nvSpPr>
+        <p:spPr/>
+        <p:txBody>
+          <a:bodyPr>
+            <a:normAutofit/>
+          </a:bodyPr>
+          <a:lstStyle/>
+          <a:p>
+            <a:pPr algn="ctr"/>
+            <a:r>
+              <a:rPr lang="zh-CN" altLang="en-US" sz="8800" dirty="0"/>
+              <a:t>任务五</a:t>
+            </a:r>
+          </a:p>
+        </p:txBody>
+      </p:sp>
     </p:spTree>
     <p:extLst>
       <p:ext uri="{BB962C8B-B14F-4D97-AF65-F5344CB8AC3E}">
-        <p14:creationId xmlns:p14="http://schemas.microsoft.com/office/powerpoint/2010/main" val="3768269499"/>
+        <p14:creationId xmlns:p14="http://schemas.microsoft.com/office/powerpoint/2010/main" val="1590872032"/>
       </p:ext>
     </p:extLst>
   </p:cSld>
@@ -3943,7 +3895,7 @@
           <p:cNvPr id="2" name="标题 1">
             <a:extLst>
               <a:ext uri="{FF2B5EF4-FFF2-40B4-BE49-F238E27FC236}">
-                <a16:creationId xmlns:a16="http://schemas.microsoft.com/office/drawing/2014/main" id="{65025263-D325-075A-3DDA-12E86FBD5C93}"/>
+                <a16:creationId xmlns:a16="http://schemas.microsoft.com/office/drawing/2014/main" id="{EE843E0A-289E-9904-06C5-7814017318F6}"/>
               </a:ext>
             </a:extLst>
           </p:cNvPr>
@@ -3954,57 +3906,86 @@
             <p:ph type="title"/>
           </p:nvPr>
         </p:nvSpPr>
-        <p:spPr>
-          <a:xfrm>
-            <a:off x="838200" y="2376805"/>
-            <a:ext cx="10515600" cy="1325563"/>
-          </a:xfrm>
-        </p:spPr>
-        <p:txBody>
-          <a:bodyPr/>
-          <a:lstStyle/>
-          <a:p>
-            <a:pPr algn="ctr"/>
-            <a:r>
-              <a:rPr lang="en-US" altLang="zh-CN" dirty="0"/>
-              <a:t>3.</a:t>
-            </a:r>
+        <p:spPr/>
+        <p:txBody>
+          <a:bodyPr/>
+          <a:lstStyle/>
+          <a:p>
+            <a:endParaRPr lang="zh-CN" altLang="en-US"/>
+          </a:p>
+        </p:txBody>
+      </p:sp>
+      <p:sp>
+        <p:nvSpPr>
+          <p:cNvPr id="3" name="内容占位符 2">
+            <a:extLst>
+              <a:ext uri="{FF2B5EF4-FFF2-40B4-BE49-F238E27FC236}">
+                <a16:creationId xmlns:a16="http://schemas.microsoft.com/office/drawing/2014/main" id="{AFA750D4-432B-CD81-EFA5-370CF358697B}"/>
+              </a:ext>
+            </a:extLst>
+          </p:cNvPr>
+          <p:cNvSpPr>
+            <a:spLocks noGrp="1"/>
+          </p:cNvSpPr>
+          <p:nvPr>
+            <p:ph idx="1"/>
+          </p:nvPr>
+        </p:nvSpPr>
+        <p:spPr/>
+        <p:txBody>
+          <a:bodyPr/>
+          <a:lstStyle/>
+          <a:p>
             <a:r>
               <a:rPr lang="zh-CN" altLang="en-US" dirty="0"/>
-              <a:t>分析难点</a:t>
-            </a:r>
-          </a:p>
-        </p:txBody>
-      </p:sp>
-      <p:sp>
-        <p:nvSpPr>
-          <p:cNvPr id="3" name="内容占位符 2">
-            <a:extLst>
-              <a:ext uri="{FF2B5EF4-FFF2-40B4-BE49-F238E27FC236}">
-                <a16:creationId xmlns:a16="http://schemas.microsoft.com/office/drawing/2014/main" id="{06C3FD0F-D42C-E897-85C9-A6F627B13644}"/>
-              </a:ext>
-            </a:extLst>
-          </p:cNvPr>
-          <p:cNvSpPr>
-            <a:spLocks noGrp="1"/>
-          </p:cNvSpPr>
-          <p:nvPr>
-            <p:ph idx="1"/>
-          </p:nvPr>
-        </p:nvSpPr>
-        <p:spPr/>
-        <p:txBody>
-          <a:bodyPr/>
-          <a:lstStyle/>
-          <a:p>
-            <a:endParaRPr lang="zh-CN" altLang="en-US"/>
+              <a:t>若不进行多态：</a:t>
+            </a:r>
+            <a:endParaRPr lang="en-US" altLang="zh-CN" dirty="0"/>
+          </a:p>
+          <a:p>
+            <a:pPr lvl="1"/>
+            <a:r>
+              <a:rPr lang="zh-CN" altLang="en-US" dirty="0"/>
+              <a:t>像每个子类添加各自的类型，通过最后的类型判断使得程序分辨层级，给出相应的响应</a:t>
+            </a:r>
+            <a:endParaRPr lang="en-US" altLang="zh-CN" dirty="0"/>
+          </a:p>
+          <a:p>
+            <a:r>
+              <a:rPr lang="zh-CN" altLang="en-US" dirty="0"/>
+              <a:t>困难：</a:t>
+            </a:r>
+            <a:endParaRPr lang="en-US" altLang="zh-CN" dirty="0"/>
+          </a:p>
+          <a:p>
+            <a:pPr lvl="1"/>
+            <a:r>
+              <a:rPr lang="zh-CN" altLang="en-US" dirty="0"/>
+              <a:t>扩展性差，容易出现遗漏</a:t>
+            </a:r>
+            <a:endParaRPr lang="en-US" altLang="zh-CN" dirty="0"/>
+          </a:p>
+          <a:p>
+            <a:pPr lvl="1"/>
+            <a:r>
+              <a:rPr lang="zh-CN" altLang="en-US" dirty="0"/>
+              <a:t>每次修改添加需要重新构建，维护性差</a:t>
+            </a:r>
+            <a:endParaRPr lang="en-US" altLang="zh-CN" dirty="0"/>
+          </a:p>
+          <a:p>
+            <a:pPr lvl="1"/>
+            <a:r>
+              <a:rPr lang="zh-CN" altLang="en-US" dirty="0"/>
+              <a:t>代码重复性高</a:t>
+            </a:r>
           </a:p>
         </p:txBody>
       </p:sp>
     </p:spTree>
     <p:extLst>
       <p:ext uri="{BB962C8B-B14F-4D97-AF65-F5344CB8AC3E}">
-        <p14:creationId xmlns:p14="http://schemas.microsoft.com/office/powerpoint/2010/main" val="2243301707"/>
+        <p14:creationId xmlns:p14="http://schemas.microsoft.com/office/powerpoint/2010/main" val="841900327"/>
       </p:ext>
     </p:extLst>
   </p:cSld>
@@ -4036,7 +4017,7 @@
           <p:cNvPr id="2" name="标题 1">
             <a:extLst>
               <a:ext uri="{FF2B5EF4-FFF2-40B4-BE49-F238E27FC236}">
-                <a16:creationId xmlns:a16="http://schemas.microsoft.com/office/drawing/2014/main" id="{E78B7CB7-7B43-4489-8E0D-98DC0EA3C71D}"/>
+                <a16:creationId xmlns:a16="http://schemas.microsoft.com/office/drawing/2014/main" id="{60F5B6D4-F5BC-E87D-DFDF-81ADD17DAC81}"/>
               </a:ext>
             </a:extLst>
           </p:cNvPr>
@@ -4052,7 +4033,10 @@
           <a:bodyPr/>
           <a:lstStyle/>
           <a:p>
-            <a:endParaRPr lang="zh-CN" altLang="en-US" dirty="0"/>
+            <a:r>
+              <a:rPr lang="zh-CN" altLang="en-US" dirty="0"/>
+              <a:t>收获：</a:t>
+            </a:r>
           </a:p>
         </p:txBody>
       </p:sp>
@@ -4061,7 +4045,7 @@
           <p:cNvPr id="3" name="内容占位符 2">
             <a:extLst>
               <a:ext uri="{FF2B5EF4-FFF2-40B4-BE49-F238E27FC236}">
-                <a16:creationId xmlns:a16="http://schemas.microsoft.com/office/drawing/2014/main" id="{AD0FA1B9-EAFC-9E1C-2C7C-B045A7C8AD2A}"/>
+                <a16:creationId xmlns:a16="http://schemas.microsoft.com/office/drawing/2014/main" id="{E171ED83-CFCE-0904-4441-0B7394018043}"/>
               </a:ext>
             </a:extLst>
           </p:cNvPr>
@@ -4077,48 +4061,23 @@
           <a:bodyPr/>
           <a:lstStyle/>
           <a:p>
-            <a:pPr marL="0" indent="0">
-              <a:buNone/>
-            </a:pPr>
             <a:r>
               <a:rPr lang="zh-CN" altLang="en-US" dirty="0"/>
-              <a:t>分析难点：</a:t>
+              <a:t>亲身体会了组合模式的设计思想，对类间关系有更深刻的认识</a:t>
             </a:r>
             <a:endParaRPr lang="en-US" altLang="zh-CN" dirty="0"/>
           </a:p>
           <a:p>
-            <a:pPr marL="0" indent="0">
-              <a:buNone/>
-            </a:pPr>
             <a:r>
               <a:rPr lang="zh-CN" altLang="en-US" dirty="0"/>
-              <a:t>在于如何寻找妻子的丈夫，如若遍历寻找丈夫地址则难以进行</a:t>
+              <a:t>解决各种警告及报错的同时，对虚函数及其继承的机理有更深度的了解</a:t>
             </a:r>
             <a:endParaRPr lang="en-US" altLang="zh-CN" dirty="0"/>
           </a:p>
           <a:p>
-            <a:pPr marL="0" indent="0">
-              <a:buNone/>
-            </a:pPr>
-            <a:endParaRPr lang="en-US" altLang="zh-CN" dirty="0"/>
-          </a:p>
-          <a:p>
-            <a:pPr marL="0" indent="0">
-              <a:buNone/>
-            </a:pPr>
             <a:r>
               <a:rPr lang="zh-CN" altLang="en-US" dirty="0"/>
-              <a:t>解决方法：</a:t>
-            </a:r>
-            <a:endParaRPr lang="en-US" altLang="zh-CN" dirty="0"/>
-          </a:p>
-          <a:p>
-            <a:pPr marL="0" indent="0">
-              <a:buNone/>
-            </a:pPr>
-            <a:r>
-              <a:rPr lang="zh-CN" altLang="en-US" dirty="0"/>
-              <a:t>建立关于丈夫的线性表，作为静态成员，给妻子遍历一个方位</a:t>
+              <a:t>学习了通过递归控制输出形式的巧思</a:t>
             </a:r>
           </a:p>
         </p:txBody>
@@ -4126,7 +4085,7 @@
     </p:spTree>
     <p:extLst>
       <p:ext uri="{BB962C8B-B14F-4D97-AF65-F5344CB8AC3E}">
-        <p14:creationId xmlns:p14="http://schemas.microsoft.com/office/powerpoint/2010/main" val="1410438602"/>
+        <p14:creationId xmlns:p14="http://schemas.microsoft.com/office/powerpoint/2010/main" val="1780642624"/>
       </p:ext>
     </p:extLst>
   </p:cSld>
@@ -4158,7 +4117,7 @@
           <p:cNvPr id="2" name="标题 1">
             <a:extLst>
               <a:ext uri="{FF2B5EF4-FFF2-40B4-BE49-F238E27FC236}">
-                <a16:creationId xmlns:a16="http://schemas.microsoft.com/office/drawing/2014/main" id="{D168ED0D-F2D0-F0CA-B5D9-6817D482BACB}"/>
+                <a16:creationId xmlns:a16="http://schemas.microsoft.com/office/drawing/2014/main" id="{7B228A00-64C4-1503-33F2-BE15810578DD}"/>
               </a:ext>
             </a:extLst>
           </p:cNvPr>
@@ -4174,201 +4133,73 @@
           <a:bodyPr/>
           <a:lstStyle/>
           <a:p>
-            <a:r>
-              <a:rPr lang="en-US" altLang="zh-CN" dirty="0"/>
-              <a:t>4.</a:t>
-            </a:r>
-            <a:r>
-              <a:rPr lang="zh-CN" altLang="en-US" dirty="0"/>
-              <a:t>分析</a:t>
-            </a:r>
-          </a:p>
-        </p:txBody>
-      </p:sp>
-      <p:sp>
-        <p:nvSpPr>
-          <p:cNvPr id="3" name="内容占位符 2">
-            <a:extLst>
-              <a:ext uri="{FF2B5EF4-FFF2-40B4-BE49-F238E27FC236}">
-                <a16:creationId xmlns:a16="http://schemas.microsoft.com/office/drawing/2014/main" id="{CBBD7D78-617B-2970-67BA-05AE57610B46}"/>
-              </a:ext>
-            </a:extLst>
-          </p:cNvPr>
-          <p:cNvSpPr>
-            <a:spLocks noGrp="1"/>
-          </p:cNvSpPr>
+            <a:endParaRPr lang="zh-CN" altLang="en-US" dirty="0"/>
+          </a:p>
+        </p:txBody>
+      </p:sp>
+      <p:pic>
+        <p:nvPicPr>
+          <p:cNvPr id="4" name="图片 3">
+            <a:extLst>
+              <a:ext uri="{FF2B5EF4-FFF2-40B4-BE49-F238E27FC236}">
+                <a16:creationId xmlns:a16="http://schemas.microsoft.com/office/drawing/2014/main" id="{B0CAAE02-9DE6-B2F6-6950-E86391F398C9}"/>
+              </a:ext>
+            </a:extLst>
+          </p:cNvPr>
+          <p:cNvPicPr>
+            <a:picLocks noChangeAspect="1"/>
+          </p:cNvPicPr>
+          <p:nvPr/>
+        </p:nvPicPr>
+        <p:blipFill>
+          <a:blip r:embed="rId2"/>
+          <a:stretch>
+            <a:fillRect/>
+          </a:stretch>
+        </p:blipFill>
+        <p:spPr>
+          <a:xfrm>
+            <a:off x="-119374" y="-1"/>
+            <a:ext cx="6588754" cy="6858000"/>
+          </a:xfrm>
+          <a:prstGeom prst="rect">
+            <a:avLst/>
+          </a:prstGeom>
+        </p:spPr>
+      </p:pic>
+      <p:pic>
+        <p:nvPicPr>
+          <p:cNvPr id="10" name="内容占位符 9">
+            <a:extLst>
+              <a:ext uri="{FF2B5EF4-FFF2-40B4-BE49-F238E27FC236}">
+                <a16:creationId xmlns:a16="http://schemas.microsoft.com/office/drawing/2014/main" id="{E31A6E31-C14F-6AC5-40E2-6957BF7C326D}"/>
+              </a:ext>
+            </a:extLst>
+          </p:cNvPr>
+          <p:cNvPicPr>
+            <a:picLocks noGrp="1" noChangeAspect="1"/>
+          </p:cNvPicPr>
           <p:nvPr>
             <p:ph idx="1"/>
           </p:nvPr>
-        </p:nvSpPr>
-        <p:spPr/>
-        <p:txBody>
-          <a:bodyPr/>
-          <a:lstStyle/>
-          <a:p>
-            <a:r>
-              <a:rPr lang="zh-CN" altLang="en-US" dirty="0"/>
-              <a:t>优点：</a:t>
-            </a:r>
-            <a:endParaRPr lang="en-US" altLang="zh-CN" dirty="0"/>
-          </a:p>
-          <a:p>
-            <a:r>
-              <a:rPr lang="zh-CN" altLang="en-US" dirty="0"/>
-              <a:t>代码实现了基本的配偶设置、解除和查询功能，涵盖了婚姻关系的主要操作。</a:t>
-            </a:r>
-          </a:p>
-          <a:p>
-            <a:r>
-              <a:rPr lang="zh-CN" altLang="en-US" dirty="0"/>
-              <a:t>缺点：</a:t>
-            </a:r>
-            <a:endParaRPr lang="en-US" altLang="zh-CN" dirty="0"/>
-          </a:p>
-          <a:p>
-            <a:r>
-              <a:rPr lang="zh-CN" altLang="en-US" dirty="0"/>
-              <a:t>没有检查重复婚姻或非法操作（如一个 </a:t>
-            </a:r>
-            <a:r>
-              <a:rPr lang="en-US" altLang="zh-CN" dirty="0">
-                <a:hlinkClick r:id="rId2">
-                  <a:extLst>
-                    <a:ext uri="{A12FA001-AC4F-418D-AE19-62706E023703}">
-                      <ahyp:hlinkClr xmlns:ahyp="http://schemas.microsoft.com/office/drawing/2018/hyperlinkcolor" val="tx"/>
-                    </a:ext>
-                  </a:extLst>
-                </a:hlinkClick>
-              </a:rPr>
-              <a:t>Male</a:t>
-            </a:r>
-            <a:r>
-              <a:rPr lang="zh-CN" altLang="en-US" dirty="0"/>
-              <a:t> 对象同时拥有多个妻子，或一个 </a:t>
-            </a:r>
-            <a:r>
-              <a:rPr lang="en-US" altLang="zh-CN" dirty="0">
-                <a:hlinkClick r:id="rId2">
-                  <a:extLst>
-                    <a:ext uri="{A12FA001-AC4F-418D-AE19-62706E023703}">
-                      <ahyp:hlinkClr xmlns:ahyp="http://schemas.microsoft.com/office/drawing/2018/hyperlinkcolor" val="tx"/>
-                    </a:ext>
-                  </a:extLst>
-                </a:hlinkClick>
-              </a:rPr>
-              <a:t>Female</a:t>
-            </a:r>
-            <a:r>
-              <a:rPr lang="zh-CN" altLang="en-US" dirty="0"/>
-              <a:t> 对象同时有多个丈夫）。</a:t>
-            </a:r>
-          </a:p>
-          <a:p>
-            <a:endParaRPr lang="zh-CN" altLang="en-US" dirty="0"/>
-          </a:p>
-        </p:txBody>
-      </p:sp>
+        </p:nvPicPr>
+        <p:blipFill>
+          <a:blip r:embed="rId3"/>
+          <a:stretch>
+            <a:fillRect/>
+          </a:stretch>
+        </p:blipFill>
+        <p:spPr>
+          <a:xfrm>
+            <a:off x="6469381" y="-106045"/>
+            <a:ext cx="6938598" cy="6964046"/>
+          </a:xfrm>
+        </p:spPr>
+      </p:pic>
     </p:spTree>
     <p:extLst>
       <p:ext uri="{BB962C8B-B14F-4D97-AF65-F5344CB8AC3E}">
-        <p14:creationId xmlns:p14="http://schemas.microsoft.com/office/powerpoint/2010/main" val="2653659810"/>
-      </p:ext>
-    </p:extLst>
-  </p:cSld>
-  <p:clrMapOvr>
-    <a:masterClrMapping/>
-  </p:clrMapOvr>
-</p:sld>
-</file>
-
-<file path=ppt/slides/slide14.xml><?xml version="1.0" encoding="utf-8"?>
-<p:sld xmlns:a="http://schemas.openxmlformats.org/drawingml/2006/main" xmlns:r="http://schemas.openxmlformats.org/officeDocument/2006/relationships" xmlns:p="http://schemas.openxmlformats.org/presentationml/2006/main">
-  <p:cSld>
-    <p:spTree>
-      <p:nvGrpSpPr>
-        <p:cNvPr id="1" name=""/>
-        <p:cNvGrpSpPr/>
-        <p:nvPr/>
-      </p:nvGrpSpPr>
-      <p:grpSpPr>
-        <a:xfrm>
-          <a:off x="0" y="0"/>
-          <a:ext cx="0" cy="0"/>
-          <a:chOff x="0" y="0"/>
-          <a:chExt cx="0" cy="0"/>
-        </a:xfrm>
-      </p:grpSpPr>
-      <p:sp>
-        <p:nvSpPr>
-          <p:cNvPr id="2" name="标题 1">
-            <a:extLst>
-              <a:ext uri="{FF2B5EF4-FFF2-40B4-BE49-F238E27FC236}">
-                <a16:creationId xmlns:a16="http://schemas.microsoft.com/office/drawing/2014/main" id="{144F54B8-F433-1BF3-9CFA-17095E1760B7}"/>
-              </a:ext>
-            </a:extLst>
-          </p:cNvPr>
-          <p:cNvSpPr>
-            <a:spLocks noGrp="1"/>
-          </p:cNvSpPr>
-          <p:nvPr>
-            <p:ph type="title"/>
-          </p:nvPr>
-        </p:nvSpPr>
-        <p:spPr/>
-        <p:txBody>
-          <a:bodyPr/>
-          <a:lstStyle/>
-          <a:p>
-            <a:r>
-              <a:rPr lang="en-US" altLang="zh-CN" dirty="0"/>
-              <a:t>5.</a:t>
-            </a:r>
-            <a:r>
-              <a:rPr lang="zh-CN" altLang="en-US" dirty="0"/>
-              <a:t>收获</a:t>
-            </a:r>
-          </a:p>
-        </p:txBody>
-      </p:sp>
-      <p:sp>
-        <p:nvSpPr>
-          <p:cNvPr id="3" name="内容占位符 2">
-            <a:extLst>
-              <a:ext uri="{FF2B5EF4-FFF2-40B4-BE49-F238E27FC236}">
-                <a16:creationId xmlns:a16="http://schemas.microsoft.com/office/drawing/2014/main" id="{B7951041-5874-2C2E-A606-28E88142E3DF}"/>
-              </a:ext>
-            </a:extLst>
-          </p:cNvPr>
-          <p:cNvSpPr>
-            <a:spLocks noGrp="1"/>
-          </p:cNvSpPr>
-          <p:nvPr>
-            <p:ph idx="1"/>
-          </p:nvPr>
-        </p:nvSpPr>
-        <p:spPr/>
-        <p:txBody>
-          <a:bodyPr/>
-          <a:lstStyle/>
-          <a:p>
-            <a:r>
-              <a:rPr lang="zh-CN" altLang="en-US" dirty="0"/>
-              <a:t>更好的理解类与类的关联</a:t>
-            </a:r>
-            <a:endParaRPr lang="en-US" altLang="zh-CN" dirty="0"/>
-          </a:p>
-          <a:p>
-            <a:r>
-              <a:rPr lang="zh-CN" altLang="en-US" dirty="0"/>
-              <a:t>切身体会了构造函数的重要用途</a:t>
-            </a:r>
-          </a:p>
-        </p:txBody>
-      </p:sp>
-    </p:spTree>
-    <p:extLst>
-      <p:ext uri="{BB962C8B-B14F-4D97-AF65-F5344CB8AC3E}">
-        <p14:creationId xmlns:p14="http://schemas.microsoft.com/office/powerpoint/2010/main" val="1911846327"/>
+        <p14:creationId xmlns:p14="http://schemas.microsoft.com/office/powerpoint/2010/main" val="2086134043"/>
       </p:ext>
     </p:extLst>
   </p:cSld>
@@ -4438,18 +4269,54 @@
             </a:endParaRPr>
           </a:p>
           <a:p>
-            <a:pPr marL="0" indent="0">
-              <a:buNone/>
-            </a:pPr>
+            <a:pPr algn="l"/>
             <a:r>
               <a:rPr lang="zh-CN" altLang="en-US" b="0" i="0" dirty="0">
                 <a:solidFill>
                   <a:srgbClr val="181E33"/>
                 </a:solidFill>
                 <a:effectLst/>
-                <a:latin typeface="Helvetica Neue"/>
+                <a:latin typeface="CXChineseQuote"/>
               </a:rPr>
-              <a:t>调试</a:t>
+              <a:t>每个公司都有总部、多个分公司、多个办事处等，为上下级同构实体关系。</a:t>
+            </a:r>
+            <a:br>
+              <a:rPr lang="zh-CN" altLang="en-US" b="0" i="0" dirty="0">
+                <a:solidFill>
+                  <a:srgbClr val="181E33"/>
+                </a:solidFill>
+                <a:effectLst/>
+                <a:latin typeface="CXChineseQuote"/>
+              </a:rPr>
+            </a:br>
+            <a:r>
+              <a:rPr lang="zh-CN" altLang="en-US" b="0" i="0" dirty="0">
+                <a:solidFill>
+                  <a:srgbClr val="181E33"/>
+                </a:solidFill>
+                <a:effectLst/>
+                <a:latin typeface="CXChineseQuote"/>
+              </a:rPr>
+              <a:t>   每个实体均有人力部、财务部、销售部等职能部门，不再有下级部门。分公司下面继续有子公司。。。。</a:t>
+            </a:r>
+            <a:br>
+              <a:rPr lang="zh-CN" altLang="en-US" b="0" i="0" dirty="0">
+                <a:solidFill>
+                  <a:srgbClr val="181E33"/>
+                </a:solidFill>
+                <a:effectLst/>
+                <a:latin typeface="CXChineseQuote"/>
+              </a:rPr>
+            </a:br>
+            <a:r>
+              <a:rPr lang="zh-CN" altLang="en-US" b="0" i="0" dirty="0">
+                <a:solidFill>
+                  <a:srgbClr val="181E33"/>
+                </a:solidFill>
+                <a:effectLst/>
+                <a:latin typeface="CXChineseQuote"/>
+              </a:rPr>
+              <a:t>   总部需要快速了解总公司的：组织结构</a:t>
             </a:r>
             <a:r>
               <a:rPr lang="en-US" altLang="zh-CN" b="0" i="0" dirty="0">
@@ -4457,9 +4324,9 @@
                   <a:srgbClr val="181E33"/>
                 </a:solidFill>
                 <a:effectLst/>
-                <a:latin typeface="Helvetica Neue"/>
+                <a:latin typeface="CXChineseQuote"/>
               </a:rPr>
-              <a:t>PPT</a:t>
+              <a:t>+</a:t>
             </a:r>
             <a:r>
               <a:rPr lang="zh-CN" altLang="en-US" b="0" i="0" dirty="0">
@@ -4467,29 +4334,9 @@
                   <a:srgbClr val="181E33"/>
                 </a:solidFill>
                 <a:effectLst/>
-                <a:latin typeface="Helvetica Neue"/>
+                <a:latin typeface="CXChineseQuote"/>
               </a:rPr>
-              <a:t>中双向关联改为单向关联后的程序，给出</a:t>
-            </a:r>
-            <a:r>
-              <a:rPr lang="en-US" altLang="zh-CN" b="0" i="0" dirty="0">
-                <a:solidFill>
-                  <a:srgbClr val="181E33"/>
-                </a:solidFill>
-                <a:effectLst/>
-                <a:latin typeface="Helvetica Neue"/>
-              </a:rPr>
-              <a:t>main</a:t>
-            </a:r>
-            <a:r>
-              <a:rPr lang="zh-CN" altLang="en-US" b="0" i="0" dirty="0">
-                <a:solidFill>
-                  <a:srgbClr val="181E33"/>
-                </a:solidFill>
-                <a:effectLst/>
-                <a:latin typeface="Helvetica Neue"/>
-              </a:rPr>
-              <a:t>函数调用过程</a:t>
+              <a:t>实体职责展示。（两个多态函数，输出文字即可）</a:t>
             </a:r>
           </a:p>
           <a:p>
@@ -4529,10 +4376,38 @@
       </p:grpSpPr>
       <p:sp>
         <p:nvSpPr>
+          <p:cNvPr id="2" name="标题 1">
+            <a:extLst>
+              <a:ext uri="{FF2B5EF4-FFF2-40B4-BE49-F238E27FC236}">
+                <a16:creationId xmlns:a16="http://schemas.microsoft.com/office/drawing/2014/main" id="{AE95D301-140E-A1D3-6025-895C914144ED}"/>
+              </a:ext>
+            </a:extLst>
+          </p:cNvPr>
+          <p:cNvSpPr>
+            <a:spLocks noGrp="1"/>
+          </p:cNvSpPr>
+          <p:nvPr>
+            <p:ph type="title"/>
+          </p:nvPr>
+        </p:nvSpPr>
+        <p:spPr/>
+        <p:txBody>
+          <a:bodyPr/>
+          <a:lstStyle/>
+          <a:p>
+            <a:br>
+              <a:rPr lang="zh-CN" altLang="en-US" sz="4400" dirty="0"/>
+            </a:br>
+            <a:endParaRPr lang="zh-CN" altLang="en-US" dirty="0"/>
+          </a:p>
+        </p:txBody>
+      </p:sp>
+      <p:sp>
+        <p:nvSpPr>
           <p:cNvPr id="3" name="内容占位符 2">
             <a:extLst>
               <a:ext uri="{FF2B5EF4-FFF2-40B4-BE49-F238E27FC236}">
-                <a16:creationId xmlns:a16="http://schemas.microsoft.com/office/drawing/2014/main" id="{AE2E08BF-A857-D3BB-6794-EA6D9CB9016A}"/>
+                <a16:creationId xmlns:a16="http://schemas.microsoft.com/office/drawing/2014/main" id="{40D0CD08-DDDD-A994-8DBF-BF951D6B5764}"/>
               </a:ext>
             </a:extLst>
           </p:cNvPr>
@@ -4543,22 +4418,30 @@
             <p:ph idx="1"/>
           </p:nvPr>
         </p:nvSpPr>
-        <p:spPr/>
-        <p:txBody>
-          <a:bodyPr/>
-          <a:lstStyle/>
-          <a:p>
-            <a:r>
-              <a:rPr lang="zh-CN" altLang="en-US" dirty="0"/>
-              <a:t>分析题目要求：</a:t>
-            </a:r>
-            <a:endParaRPr lang="en-US" altLang="zh-CN" dirty="0"/>
-          </a:p>
-          <a:p>
-            <a:pPr lvl="1"/>
-            <a:r>
-              <a:rPr lang="zh-CN" altLang="en-US" dirty="0"/>
-              <a:t>要求将原本丈夫和妻子的双向关联关系改为单向关联</a:t>
+        <p:spPr>
+          <a:xfrm>
+            <a:off x="758190" y="2614295"/>
+            <a:ext cx="10515600" cy="4351338"/>
+          </a:xfrm>
+        </p:spPr>
+        <p:txBody>
+          <a:bodyPr>
+            <a:normAutofit/>
+          </a:bodyPr>
+          <a:lstStyle/>
+          <a:p>
+            <a:pPr algn="ctr"/>
+            <a:r>
+              <a:rPr lang="zh-CN" altLang="en-US" sz="8000" dirty="0"/>
+              <a:t>任务一：详见</a:t>
+            </a:r>
+            <a:r>
+              <a:rPr lang="en-US" altLang="zh-CN" sz="8000" dirty="0"/>
+              <a:t>.txt</a:t>
+            </a:r>
+            <a:r>
+              <a:rPr lang="zh-CN" altLang="en-US" sz="8000" dirty="0"/>
+              <a:t>文件</a:t>
             </a:r>
           </a:p>
         </p:txBody>
@@ -4566,7 +4449,7 @@
     </p:spTree>
     <p:extLst>
       <p:ext uri="{BB962C8B-B14F-4D97-AF65-F5344CB8AC3E}">
-        <p14:creationId xmlns:p14="http://schemas.microsoft.com/office/powerpoint/2010/main" val="3529356553"/>
+        <p14:creationId xmlns:p14="http://schemas.microsoft.com/office/powerpoint/2010/main" val="730506765"/>
       </p:ext>
     </p:extLst>
   </p:cSld>
@@ -4595,10 +4478,35 @@
       </p:grpSpPr>
       <p:sp>
         <p:nvSpPr>
+          <p:cNvPr id="2" name="标题 1">
+            <a:extLst>
+              <a:ext uri="{FF2B5EF4-FFF2-40B4-BE49-F238E27FC236}">
+                <a16:creationId xmlns:a16="http://schemas.microsoft.com/office/drawing/2014/main" id="{C1FB5D23-EC48-DF1A-7395-AC921E4B8FC0}"/>
+              </a:ext>
+            </a:extLst>
+          </p:cNvPr>
+          <p:cNvSpPr>
+            <a:spLocks noGrp="1"/>
+          </p:cNvSpPr>
+          <p:nvPr>
+            <p:ph type="title"/>
+          </p:nvPr>
+        </p:nvSpPr>
+        <p:spPr/>
+        <p:txBody>
+          <a:bodyPr/>
+          <a:lstStyle/>
+          <a:p>
+            <a:endParaRPr lang="zh-CN" altLang="en-US" dirty="0"/>
+          </a:p>
+        </p:txBody>
+      </p:sp>
+      <p:sp>
+        <p:nvSpPr>
           <p:cNvPr id="3" name="内容占位符 2">
             <a:extLst>
               <a:ext uri="{FF2B5EF4-FFF2-40B4-BE49-F238E27FC236}">
-                <a16:creationId xmlns:a16="http://schemas.microsoft.com/office/drawing/2014/main" id="{38598D41-A659-91C5-643E-645296531A25}"/>
+                <a16:creationId xmlns:a16="http://schemas.microsoft.com/office/drawing/2014/main" id="{7A064E47-667D-A4B8-6FD8-EFF4450D24A9}"/>
               </a:ext>
             </a:extLst>
           </p:cNvPr>
@@ -4609,27 +4517,24 @@
             <p:ph idx="1"/>
           </p:nvPr>
         </p:nvSpPr>
-        <p:spPr/>
+        <p:spPr>
+          <a:xfrm>
+            <a:off x="552450" y="2397125"/>
+            <a:ext cx="10515600" cy="4351338"/>
+          </a:xfrm>
+        </p:spPr>
         <p:txBody>
           <a:bodyPr>
             <a:normAutofit/>
           </a:bodyPr>
           <a:lstStyle/>
           <a:p>
-            <a:pPr marL="0" indent="0" algn="ctr">
+            <a:pPr marL="914400" lvl="2" indent="0" algn="ctr">
               <a:buNone/>
             </a:pPr>
             <a:r>
-              <a:rPr lang="zh-CN" altLang="en-US" sz="7200" dirty="0"/>
-              <a:t>程序源码</a:t>
-            </a:r>
-            <a:r>
-              <a:rPr lang="en-US" altLang="zh-CN" sz="7200" dirty="0"/>
-              <a:t>+</a:t>
-            </a:r>
-            <a:r>
-              <a:rPr lang="zh-CN" altLang="en-US" sz="7200" dirty="0"/>
-              <a:t>运行结果</a:t>
+              <a:rPr lang="zh-CN" altLang="en-US" sz="9600" dirty="0"/>
+              <a:t>任务二</a:t>
             </a:r>
           </a:p>
         </p:txBody>
@@ -4637,7 +4542,7 @@
     </p:spTree>
     <p:extLst>
       <p:ext uri="{BB962C8B-B14F-4D97-AF65-F5344CB8AC3E}">
-        <p14:creationId xmlns:p14="http://schemas.microsoft.com/office/powerpoint/2010/main" val="2551375565"/>
+        <p14:creationId xmlns:p14="http://schemas.microsoft.com/office/powerpoint/2010/main" val="285684970"/>
       </p:ext>
     </p:extLst>
   </p:cSld>
@@ -4664,70 +4569,136 @@
           <a:chExt cx="0" cy="0"/>
         </a:xfrm>
       </p:grpSpPr>
-      <p:pic>
-        <p:nvPicPr>
-          <p:cNvPr id="5" name="图片 4">
-            <a:extLst>
-              <a:ext uri="{FF2B5EF4-FFF2-40B4-BE49-F238E27FC236}">
-                <a16:creationId xmlns:a16="http://schemas.microsoft.com/office/drawing/2014/main" id="{522AA5AA-AE0C-627B-4A0C-7280B10D2229}"/>
-              </a:ext>
-            </a:extLst>
-          </p:cNvPr>
-          <p:cNvPicPr>
-            <a:picLocks noChangeAspect="1"/>
-          </p:cNvPicPr>
-          <p:nvPr/>
-        </p:nvPicPr>
-        <p:blipFill>
-          <a:blip r:embed="rId2"/>
-          <a:stretch>
-            <a:fillRect/>
-          </a:stretch>
-        </p:blipFill>
-        <p:spPr>
-          <a:xfrm>
-            <a:off x="0" y="0"/>
-            <a:ext cx="6593305" cy="6858000"/>
-          </a:xfrm>
-          <a:prstGeom prst="rect">
-            <a:avLst/>
-          </a:prstGeom>
-        </p:spPr>
-      </p:pic>
-      <p:pic>
-        <p:nvPicPr>
-          <p:cNvPr id="7" name="图片 6">
-            <a:extLst>
-              <a:ext uri="{FF2B5EF4-FFF2-40B4-BE49-F238E27FC236}">
-                <a16:creationId xmlns:a16="http://schemas.microsoft.com/office/drawing/2014/main" id="{1AFF7C39-F730-4E58-D53E-560F2A7B9CC1}"/>
-              </a:ext>
-            </a:extLst>
-          </p:cNvPr>
-          <p:cNvPicPr>
-            <a:picLocks noChangeAspect="1"/>
-          </p:cNvPicPr>
-          <p:nvPr/>
-        </p:nvPicPr>
-        <p:blipFill>
-          <a:blip r:embed="rId3"/>
-          <a:stretch>
-            <a:fillRect/>
-          </a:stretch>
-        </p:blipFill>
-        <p:spPr>
-          <a:xfrm>
-            <a:off x="6593305" y="0"/>
-            <a:ext cx="5716892" cy="6858000"/>
-          </a:xfrm>
-          <a:prstGeom prst="rect">
-            <a:avLst/>
-          </a:prstGeom>
-        </p:spPr>
-      </p:pic>
+      <p:sp>
+        <p:nvSpPr>
+          <p:cNvPr id="2" name="标题 1">
+            <a:extLst>
+              <a:ext uri="{FF2B5EF4-FFF2-40B4-BE49-F238E27FC236}">
+                <a16:creationId xmlns:a16="http://schemas.microsoft.com/office/drawing/2014/main" id="{5C6C41AC-C8AB-838E-9D29-DA5405EA1634}"/>
+              </a:ext>
+            </a:extLst>
+          </p:cNvPr>
+          <p:cNvSpPr>
+            <a:spLocks noGrp="1"/>
+          </p:cNvSpPr>
+          <p:nvPr>
+            <p:ph type="title"/>
+          </p:nvPr>
+        </p:nvSpPr>
+        <p:spPr/>
+        <p:txBody>
+          <a:bodyPr/>
+          <a:lstStyle/>
+          <a:p>
+            <a:r>
+              <a:rPr lang="zh-CN" altLang="en-US" dirty="0"/>
+              <a:t>分析题目要求：</a:t>
+            </a:r>
+          </a:p>
+        </p:txBody>
+      </p:sp>
+      <p:sp>
+        <p:nvSpPr>
+          <p:cNvPr id="3" name="内容占位符 2">
+            <a:extLst>
+              <a:ext uri="{FF2B5EF4-FFF2-40B4-BE49-F238E27FC236}">
+                <a16:creationId xmlns:a16="http://schemas.microsoft.com/office/drawing/2014/main" id="{4B043942-748D-B2D2-B463-ECAC2CB69377}"/>
+              </a:ext>
+            </a:extLst>
+          </p:cNvPr>
+          <p:cNvSpPr>
+            <a:spLocks noGrp="1"/>
+          </p:cNvSpPr>
+          <p:nvPr>
+            <p:ph idx="1"/>
+          </p:nvPr>
+        </p:nvSpPr>
+        <p:spPr/>
+        <p:txBody>
+          <a:bodyPr/>
+          <a:lstStyle/>
+          <a:p>
+            <a:r>
+              <a:rPr lang="en-US" altLang="zh-CN" dirty="0"/>
+              <a:t>1.</a:t>
+            </a:r>
+            <a:r>
+              <a:rPr lang="zh-CN" altLang="en-US" dirty="0"/>
+              <a:t>组织结构要求</a:t>
+            </a:r>
+            <a:endParaRPr lang="en-US" altLang="zh-CN" dirty="0"/>
+          </a:p>
+          <a:p>
+            <a:pPr lvl="1"/>
+            <a:r>
+              <a:rPr lang="zh-CN" altLang="en-US" dirty="0"/>
+              <a:t>要求以层级结构来表示一个公司的结构系统，各层级之间为同构实体（类模式相同）</a:t>
+            </a:r>
+            <a:endParaRPr lang="en-US" altLang="zh-CN" dirty="0"/>
+          </a:p>
+          <a:p>
+            <a:r>
+              <a:rPr lang="en-US" altLang="zh-CN" dirty="0"/>
+              <a:t>2.</a:t>
+            </a:r>
+            <a:r>
+              <a:rPr lang="zh-CN" altLang="en-US" dirty="0"/>
+              <a:t>部门构造相同</a:t>
+            </a:r>
+            <a:endParaRPr lang="en-US" altLang="zh-CN" dirty="0"/>
+          </a:p>
+          <a:p>
+            <a:pPr lvl="1"/>
+            <a:r>
+              <a:rPr lang="zh-CN" altLang="en-US" dirty="0"/>
+              <a:t>各结构系统中，存在三个办事部门，存在着部门职责</a:t>
+            </a:r>
+            <a:endParaRPr lang="en-US" altLang="zh-CN" dirty="0"/>
+          </a:p>
+          <a:p>
+            <a:r>
+              <a:rPr lang="en-US" altLang="zh-CN" dirty="0"/>
+              <a:t>3.</a:t>
+            </a:r>
+            <a:r>
+              <a:rPr lang="zh-CN" altLang="en-US" dirty="0"/>
+              <a:t>功能需求</a:t>
+            </a:r>
+            <a:endParaRPr lang="en-US" altLang="zh-CN" dirty="0"/>
+          </a:p>
+          <a:p>
+            <a:pPr lvl="1"/>
+            <a:r>
+              <a:rPr lang="zh-CN" altLang="en-US" dirty="0"/>
+              <a:t>需要以多态的形式构造两个输出文字的函数</a:t>
+            </a:r>
+            <a:endParaRPr lang="en-US" altLang="zh-CN" dirty="0"/>
+          </a:p>
+          <a:p>
+            <a:r>
+              <a:rPr lang="en-US" altLang="zh-CN" dirty="0"/>
+              <a:t>4.</a:t>
+            </a:r>
+            <a:r>
+              <a:rPr lang="zh-CN" altLang="en-US" dirty="0"/>
+              <a:t>构造思想</a:t>
+            </a:r>
+            <a:endParaRPr lang="en-US" altLang="zh-CN" dirty="0"/>
+          </a:p>
+          <a:p>
+            <a:pPr lvl="1"/>
+            <a:r>
+              <a:rPr lang="zh-CN" altLang="en-US" dirty="0"/>
+              <a:t>要求以组合模式构造程序</a:t>
+            </a:r>
+            <a:endParaRPr lang="en-US" altLang="zh-CN" dirty="0"/>
+          </a:p>
+        </p:txBody>
+      </p:sp>
     </p:spTree>
     <p:extLst>
       <p:ext uri="{BB962C8B-B14F-4D97-AF65-F5344CB8AC3E}">
-        <p14:creationId xmlns:p14="http://schemas.microsoft.com/office/powerpoint/2010/main" val="3014852307"/>
+        <p14:creationId xmlns:p14="http://schemas.microsoft.com/office/powerpoint/2010/main" val="526332971"/>
       </p:ext>
     </p:extLst>
   </p:cSld>
@@ -4754,40 +4725,66 @@
           <a:chExt cx="0" cy="0"/>
         </a:xfrm>
       </p:grpSpPr>
-      <p:pic>
-        <p:nvPicPr>
-          <p:cNvPr id="5" name="图片 4">
-            <a:extLst>
-              <a:ext uri="{FF2B5EF4-FFF2-40B4-BE49-F238E27FC236}">
-                <a16:creationId xmlns:a16="http://schemas.microsoft.com/office/drawing/2014/main" id="{DC83F418-E84B-765C-5B05-74D4711F694E}"/>
-              </a:ext>
-            </a:extLst>
-          </p:cNvPr>
-          <p:cNvPicPr>
-            <a:picLocks noChangeAspect="1"/>
-          </p:cNvPicPr>
-          <p:nvPr/>
-        </p:nvPicPr>
-        <p:blipFill>
-          <a:blip r:embed="rId2"/>
-          <a:stretch>
-            <a:fillRect/>
-          </a:stretch>
-        </p:blipFill>
-        <p:spPr>
-          <a:xfrm>
-            <a:off x="613597" y="975970"/>
-            <a:ext cx="10964805" cy="4906060"/>
-          </a:xfrm>
-          <a:prstGeom prst="rect">
-            <a:avLst/>
-          </a:prstGeom>
-        </p:spPr>
-      </p:pic>
+      <p:sp>
+        <p:nvSpPr>
+          <p:cNvPr id="2" name="标题 1">
+            <a:extLst>
+              <a:ext uri="{FF2B5EF4-FFF2-40B4-BE49-F238E27FC236}">
+                <a16:creationId xmlns:a16="http://schemas.microsoft.com/office/drawing/2014/main" id="{1D2A1175-6A79-1FE4-17ED-D70F242F173B}"/>
+              </a:ext>
+            </a:extLst>
+          </p:cNvPr>
+          <p:cNvSpPr>
+            <a:spLocks noGrp="1"/>
+          </p:cNvSpPr>
+          <p:nvPr>
+            <p:ph type="title"/>
+          </p:nvPr>
+        </p:nvSpPr>
+        <p:spPr/>
+        <p:txBody>
+          <a:bodyPr/>
+          <a:lstStyle/>
+          <a:p>
+            <a:endParaRPr lang="zh-CN" altLang="en-US" dirty="0"/>
+          </a:p>
+        </p:txBody>
+      </p:sp>
+      <p:sp>
+        <p:nvSpPr>
+          <p:cNvPr id="3" name="内容占位符 2">
+            <a:extLst>
+              <a:ext uri="{FF2B5EF4-FFF2-40B4-BE49-F238E27FC236}">
+                <a16:creationId xmlns:a16="http://schemas.microsoft.com/office/drawing/2014/main" id="{0228CF54-9E29-CCE0-3E83-7C8270C593D1}"/>
+              </a:ext>
+            </a:extLst>
+          </p:cNvPr>
+          <p:cNvSpPr>
+            <a:spLocks noGrp="1"/>
+          </p:cNvSpPr>
+          <p:nvPr>
+            <p:ph idx="1"/>
+          </p:nvPr>
+        </p:nvSpPr>
+        <p:spPr/>
+        <p:txBody>
+          <a:bodyPr>
+            <a:normAutofit/>
+          </a:bodyPr>
+          <a:lstStyle/>
+          <a:p>
+            <a:pPr algn="ctr"/>
+            <a:r>
+              <a:rPr lang="zh-CN" altLang="en-US" sz="8800" dirty="0"/>
+              <a:t>任务三</a:t>
+            </a:r>
+          </a:p>
+        </p:txBody>
+      </p:sp>
     </p:spTree>
     <p:extLst>
       <p:ext uri="{BB962C8B-B14F-4D97-AF65-F5344CB8AC3E}">
-        <p14:creationId xmlns:p14="http://schemas.microsoft.com/office/powerpoint/2010/main" val="1475734689"/>
+        <p14:creationId xmlns:p14="http://schemas.microsoft.com/office/powerpoint/2010/main" val="272996165"/>
       </p:ext>
     </p:extLst>
   </p:cSld>
@@ -4819,7 +4816,7 @@
           <p:cNvPr id="2" name="标题 1">
             <a:extLst>
               <a:ext uri="{FF2B5EF4-FFF2-40B4-BE49-F238E27FC236}">
-                <a16:creationId xmlns:a16="http://schemas.microsoft.com/office/drawing/2014/main" id="{C69125D2-3FDD-4834-5384-37A243026659}"/>
+                <a16:creationId xmlns:a16="http://schemas.microsoft.com/office/drawing/2014/main" id="{70DFD33B-F80C-4B0F-BD9F-BC0F26F5F382}"/>
               </a:ext>
             </a:extLst>
           </p:cNvPr>
@@ -4844,7 +4841,7 @@
           <p:cNvPr id="5" name="内容占位符 4">
             <a:extLst>
               <a:ext uri="{FF2B5EF4-FFF2-40B4-BE49-F238E27FC236}">
-                <a16:creationId xmlns:a16="http://schemas.microsoft.com/office/drawing/2014/main" id="{92669D0D-9485-E8B5-B20C-E0B72BB3934D}"/>
+                <a16:creationId xmlns:a16="http://schemas.microsoft.com/office/drawing/2014/main" id="{AD055A89-C701-4D94-1434-FC156BF64B96}"/>
               </a:ext>
             </a:extLst>
           </p:cNvPr>
@@ -4863,45 +4860,15 @@
         </p:blipFill>
         <p:spPr>
           <a:xfrm>
-            <a:off x="184261" y="83453"/>
-            <a:ext cx="5687150" cy="6586854"/>
+            <a:off x="415290" y="111586"/>
+            <a:ext cx="11361420" cy="6634828"/>
           </a:xfrm>
-        </p:spPr>
-      </p:pic>
-      <p:pic>
-        <p:nvPicPr>
-          <p:cNvPr id="7" name="图片 6">
-            <a:extLst>
-              <a:ext uri="{FF2B5EF4-FFF2-40B4-BE49-F238E27FC236}">
-                <a16:creationId xmlns:a16="http://schemas.microsoft.com/office/drawing/2014/main" id="{5E33D7DB-8FAE-8A43-B810-404D2172AAF1}"/>
-              </a:ext>
-            </a:extLst>
-          </p:cNvPr>
-          <p:cNvPicPr>
-            <a:picLocks noChangeAspect="1"/>
-          </p:cNvPicPr>
-          <p:nvPr/>
-        </p:nvPicPr>
-        <p:blipFill>
-          <a:blip r:embed="rId3"/>
-          <a:stretch>
-            <a:fillRect/>
-          </a:stretch>
-        </p:blipFill>
-        <p:spPr>
-          <a:xfrm>
-            <a:off x="5804033" y="0"/>
-            <a:ext cx="6495045" cy="6858000"/>
-          </a:xfrm>
-          <a:prstGeom prst="rect">
-            <a:avLst/>
-          </a:prstGeom>
         </p:spPr>
       </p:pic>
     </p:spTree>
     <p:extLst>
       <p:ext uri="{BB962C8B-B14F-4D97-AF65-F5344CB8AC3E}">
-        <p14:creationId xmlns:p14="http://schemas.microsoft.com/office/powerpoint/2010/main" val="3681564984"/>
+        <p14:creationId xmlns:p14="http://schemas.microsoft.com/office/powerpoint/2010/main" val="2081567074"/>
       </p:ext>
     </p:extLst>
   </p:cSld>
@@ -4928,40 +4895,66 @@
           <a:chExt cx="0" cy="0"/>
         </a:xfrm>
       </p:grpSpPr>
-      <p:pic>
-        <p:nvPicPr>
-          <p:cNvPr id="5" name="图片 4">
-            <a:extLst>
-              <a:ext uri="{FF2B5EF4-FFF2-40B4-BE49-F238E27FC236}">
-                <a16:creationId xmlns:a16="http://schemas.microsoft.com/office/drawing/2014/main" id="{284BCD6C-C375-42A8-0EB5-068BF5D5D096}"/>
-              </a:ext>
-            </a:extLst>
-          </p:cNvPr>
-          <p:cNvPicPr>
-            <a:picLocks noChangeAspect="1"/>
-          </p:cNvPicPr>
-          <p:nvPr/>
-        </p:nvPicPr>
-        <p:blipFill>
-          <a:blip r:embed="rId2"/>
-          <a:stretch>
-            <a:fillRect/>
-          </a:stretch>
-        </p:blipFill>
-        <p:spPr>
-          <a:xfrm>
-            <a:off x="3176180" y="185285"/>
-            <a:ext cx="5839640" cy="6487430"/>
-          </a:xfrm>
-          <a:prstGeom prst="rect">
-            <a:avLst/>
-          </a:prstGeom>
-        </p:spPr>
-      </p:pic>
+      <p:sp>
+        <p:nvSpPr>
+          <p:cNvPr id="2" name="标题 1">
+            <a:extLst>
+              <a:ext uri="{FF2B5EF4-FFF2-40B4-BE49-F238E27FC236}">
+                <a16:creationId xmlns:a16="http://schemas.microsoft.com/office/drawing/2014/main" id="{FB7C01BD-A29A-945E-9D51-68992C69456E}"/>
+              </a:ext>
+            </a:extLst>
+          </p:cNvPr>
+          <p:cNvSpPr>
+            <a:spLocks noGrp="1"/>
+          </p:cNvSpPr>
+          <p:nvPr>
+            <p:ph type="title"/>
+          </p:nvPr>
+        </p:nvSpPr>
+        <p:spPr/>
+        <p:txBody>
+          <a:bodyPr/>
+          <a:lstStyle/>
+          <a:p>
+            <a:endParaRPr lang="zh-CN" altLang="en-US" dirty="0"/>
+          </a:p>
+        </p:txBody>
+      </p:sp>
+      <p:sp>
+        <p:nvSpPr>
+          <p:cNvPr id="3" name="内容占位符 2">
+            <a:extLst>
+              <a:ext uri="{FF2B5EF4-FFF2-40B4-BE49-F238E27FC236}">
+                <a16:creationId xmlns:a16="http://schemas.microsoft.com/office/drawing/2014/main" id="{7DAB03D9-CC47-94F8-FF3B-51D47C8FECBF}"/>
+              </a:ext>
+            </a:extLst>
+          </p:cNvPr>
+          <p:cNvSpPr>
+            <a:spLocks noGrp="1"/>
+          </p:cNvSpPr>
+          <p:nvPr>
+            <p:ph idx="1"/>
+          </p:nvPr>
+        </p:nvSpPr>
+        <p:spPr/>
+        <p:txBody>
+          <a:bodyPr>
+            <a:normAutofit/>
+          </a:bodyPr>
+          <a:lstStyle/>
+          <a:p>
+            <a:pPr algn="ctr"/>
+            <a:r>
+              <a:rPr lang="zh-CN" altLang="en-US" sz="8800" dirty="0"/>
+              <a:t>任务四</a:t>
+            </a:r>
+          </a:p>
+        </p:txBody>
+      </p:sp>
     </p:spTree>
     <p:extLst>
       <p:ext uri="{BB962C8B-B14F-4D97-AF65-F5344CB8AC3E}">
-        <p14:creationId xmlns:p14="http://schemas.microsoft.com/office/powerpoint/2010/main" val="3175693585"/>
+        <p14:creationId xmlns:p14="http://schemas.microsoft.com/office/powerpoint/2010/main" val="4083301083"/>
       </p:ext>
     </p:extLst>
   </p:cSld>
@@ -4993,7 +4986,7 @@
           <p:cNvPr id="2" name="标题 1">
             <a:extLst>
               <a:ext uri="{FF2B5EF4-FFF2-40B4-BE49-F238E27FC236}">
-                <a16:creationId xmlns:a16="http://schemas.microsoft.com/office/drawing/2014/main" id="{9ECF4E85-36DA-F4DA-C64C-4FC40C2F4591}"/>
+                <a16:creationId xmlns:a16="http://schemas.microsoft.com/office/drawing/2014/main" id="{11E09554-460D-A146-1A5D-B95CA83CF626}"/>
               </a:ext>
             </a:extLst>
           </p:cNvPr>
@@ -5004,32 +4997,119 @@
             <p:ph type="title"/>
           </p:nvPr>
         </p:nvSpPr>
-        <p:spPr>
-          <a:xfrm>
-            <a:off x="838200" y="2328679"/>
-            <a:ext cx="10515600" cy="1325563"/>
-          </a:xfrm>
-        </p:spPr>
-        <p:txBody>
-          <a:bodyPr/>
-          <a:lstStyle/>
-          <a:p>
-            <a:pPr algn="ctr"/>
+        <p:spPr/>
+        <p:txBody>
+          <a:bodyPr/>
+          <a:lstStyle/>
+          <a:p>
+            <a:endParaRPr lang="zh-CN" altLang="en-US" dirty="0"/>
+          </a:p>
+        </p:txBody>
+      </p:sp>
+      <p:sp>
+        <p:nvSpPr>
+          <p:cNvPr id="3" name="内容占位符 2">
+            <a:extLst>
+              <a:ext uri="{FF2B5EF4-FFF2-40B4-BE49-F238E27FC236}">
+                <a16:creationId xmlns:a16="http://schemas.microsoft.com/office/drawing/2014/main" id="{3CF3FD9A-3358-DC20-4238-48ADC041B9DA}"/>
+              </a:ext>
+            </a:extLst>
+          </p:cNvPr>
+          <p:cNvSpPr>
+            <a:spLocks noGrp="1"/>
+          </p:cNvSpPr>
+          <p:nvPr>
+            <p:ph idx="1"/>
+          </p:nvPr>
+        </p:nvSpPr>
+        <p:spPr/>
+        <p:txBody>
+          <a:bodyPr/>
+          <a:lstStyle/>
+          <a:p>
+            <a:r>
+              <a:rPr lang="zh-CN" altLang="en-US" dirty="0"/>
+              <a:t>程序难点：</a:t>
+            </a:r>
+            <a:endParaRPr lang="en-US" altLang="zh-CN" dirty="0"/>
+          </a:p>
+          <a:p>
+            <a:pPr lvl="1"/>
+            <a:r>
+              <a:rPr lang="zh-CN" altLang="en-US" dirty="0"/>
+              <a:t>如何设计组件层次结构，使叶节点</a:t>
+            </a:r>
             <a:r>
               <a:rPr lang="en-US" altLang="zh-CN" dirty="0"/>
-              <a:t>2.</a:t>
+              <a:t>(</a:t>
             </a:r>
             <a:r>
               <a:rPr lang="zh-CN" altLang="en-US" dirty="0"/>
-              <a:t>流程图</a:t>
-            </a:r>
+              <a:t>部门</a:t>
+            </a:r>
+            <a:r>
+              <a:rPr lang="en-US" altLang="zh-CN" dirty="0"/>
+              <a:t>)</a:t>
+            </a:r>
+            <a:r>
+              <a:rPr lang="zh-CN" altLang="en-US" dirty="0"/>
+              <a:t>和复合节点</a:t>
+            </a:r>
+            <a:r>
+              <a:rPr lang="en-US" altLang="zh-CN" dirty="0"/>
+              <a:t>(</a:t>
+            </a:r>
+            <a:r>
+              <a:rPr lang="zh-CN" altLang="en-US" dirty="0"/>
+              <a:t>组织实体</a:t>
+            </a:r>
+            <a:r>
+              <a:rPr lang="en-US" altLang="zh-CN" dirty="0"/>
+              <a:t>)</a:t>
+            </a:r>
+            <a:r>
+              <a:rPr lang="zh-CN" altLang="en-US" dirty="0"/>
+              <a:t>能通过统一接口交互。</a:t>
+            </a:r>
+            <a:endParaRPr lang="en-US" altLang="zh-CN" dirty="0"/>
+          </a:p>
+          <a:p>
+            <a:pPr lvl="1"/>
+            <a:r>
+              <a:rPr lang="zh-CN" altLang="en-US" dirty="0"/>
+              <a:t>如何正确的展示各组织间的结构</a:t>
+            </a:r>
+            <a:endParaRPr lang="en-US" altLang="zh-CN" dirty="0"/>
+          </a:p>
+          <a:p>
+            <a:r>
+              <a:rPr lang="zh-CN" altLang="en-US" dirty="0"/>
+              <a:t>解决思路：</a:t>
+            </a:r>
+            <a:endParaRPr lang="en-US" altLang="zh-CN" dirty="0"/>
+          </a:p>
+          <a:p>
+            <a:pPr lvl="1"/>
+            <a:r>
+              <a:rPr lang="zh-CN" altLang="en-US" dirty="0"/>
+              <a:t>参考课件和别人的开源项目，结合实际问题进行迁移和改进</a:t>
+            </a:r>
+            <a:endParaRPr lang="en-US" altLang="zh-CN" dirty="0"/>
+          </a:p>
+          <a:p>
+            <a:pPr lvl="1"/>
+            <a:r>
+              <a:rPr lang="zh-CN" altLang="en-US" dirty="0"/>
+              <a:t>使用递归控制输出形式</a:t>
+            </a:r>
+            <a:endParaRPr lang="en-US" altLang="zh-CN" dirty="0"/>
           </a:p>
         </p:txBody>
       </p:sp>
     </p:spTree>
     <p:extLst>
       <p:ext uri="{BB962C8B-B14F-4D97-AF65-F5344CB8AC3E}">
-        <p14:creationId xmlns:p14="http://schemas.microsoft.com/office/powerpoint/2010/main" val="4046698698"/>
+        <p14:creationId xmlns:p14="http://schemas.microsoft.com/office/powerpoint/2010/main" val="1846162869"/>
       </p:ext>
     </p:extLst>
   </p:cSld>
